--- a/Doc/开题答辩/开题答辩.pptx
+++ b/Doc/开题答辩/开题答辩.pptx
@@ -8635,16 +8635,7 @@
                   </a:solidFill>
                   <a:latin typeface="New Cicle" pitchFamily="2" charset="0"/>
                 </a:rPr>
-                <a:t>Hot</a:t>
-              </a:r>
-              <a:r>
-                <a:rPr lang="en-US" sz="1735" dirty="0">
-                  <a:solidFill>
-                    <a:srgbClr val="F2F2F2"/>
-                  </a:solidFill>
-                  <a:latin typeface="New Cicle" pitchFamily="2" charset="0"/>
-                </a:rPr>
-                <a:t> Spot</a:t>
+                <a:t>Hot Spot</a:t>
               </a:r>
               <a:endParaRPr lang="bg-BG" sz="1735" dirty="0">
                 <a:solidFill>
@@ -15521,7 +15512,7 @@
       </p:pic>
       <p:pic>
         <p:nvPicPr>
-          <p:cNvPr id="9" name="Picture 8"/>
+          <p:cNvPr id="16" name="Picture 15"/>
           <p:cNvPicPr>
             <a:picLocks noChangeAspect="1"/>
           </p:cNvPicPr>
@@ -15529,36 +15520,6 @@
         </p:nvPicPr>
         <p:blipFill>
           <a:blip r:embed="rId3">
-            <a:extLst>
-              <a:ext uri="{28A0092B-C50C-407E-A947-70E740481C1C}">
-                <a14:useLocalDpi xmlns:a14="http://schemas.microsoft.com/office/drawing/2010/main" val="0"/>
-              </a:ext>
-            </a:extLst>
-          </a:blip>
-          <a:stretch>
-            <a:fillRect/>
-          </a:stretch>
-        </p:blipFill>
-        <p:spPr>
-          <a:xfrm>
-            <a:off x="1271464" y="4337660"/>
-            <a:ext cx="4104456" cy="1302217"/>
-          </a:xfrm>
-          <a:prstGeom prst="rect">
-            <a:avLst/>
-          </a:prstGeom>
-        </p:spPr>
-      </p:pic>
-      <p:pic>
-        <p:nvPicPr>
-          <p:cNvPr id="16" name="Picture 15"/>
-          <p:cNvPicPr>
-            <a:picLocks noChangeAspect="1"/>
-          </p:cNvPicPr>
-          <p:nvPr/>
-        </p:nvPicPr>
-        <p:blipFill>
-          <a:blip r:embed="rId4">
             <a:extLst>
               <a:ext uri="{28A0092B-C50C-407E-A947-70E740481C1C}">
                 <a14:useLocalDpi xmlns:a14="http://schemas.microsoft.com/office/drawing/2010/main" val="0"/>
@@ -15757,6 +15718,36 @@
           </a:p>
         </p:txBody>
       </p:sp>
+      <p:pic>
+        <p:nvPicPr>
+          <p:cNvPr id="2" name="Picture 1"/>
+          <p:cNvPicPr>
+            <a:picLocks noChangeAspect="1"/>
+          </p:cNvPicPr>
+          <p:nvPr/>
+        </p:nvPicPr>
+        <p:blipFill>
+          <a:blip r:embed="rId4">
+            <a:extLst>
+              <a:ext uri="{28A0092B-C50C-407E-A947-70E740481C1C}">
+                <a14:useLocalDpi xmlns:a14="http://schemas.microsoft.com/office/drawing/2010/main" val="0"/>
+              </a:ext>
+            </a:extLst>
+          </a:blip>
+          <a:stretch>
+            <a:fillRect/>
+          </a:stretch>
+        </p:blipFill>
+        <p:spPr>
+          <a:xfrm>
+            <a:off x="1917452" y="3861048"/>
+            <a:ext cx="3746500" cy="1524000"/>
+          </a:xfrm>
+          <a:prstGeom prst="rect">
+            <a:avLst/>
+          </a:prstGeom>
+        </p:spPr>
+      </p:pic>
     </p:spTree>
   </p:cSld>
   <p:clrMapOvr>

--- a/Doc/开题答辩/开题答辩.pptx
+++ b/Doc/开题答辩/开题答辩.pptx
@@ -270,7 +270,7 @@
           <a:p>
             <a:fld id="{E3E0DB73-7033-42B0-BD02-C54A0BE77918}" type="datetimeFigureOut">
               <a:rPr lang="bg-BG" smtClean="0"/>
-              <a:t>25.11.17 г.</a:t>
+              <a:t>26.11.17 г.</a:t>
             </a:fld>
             <a:endParaRPr lang="bg-BG"/>
           </a:p>
@@ -435,7 +435,7 @@
           <a:p>
             <a:fld id="{5C546879-6C1C-4702-A461-34B635ED35B4}" type="datetimeFigureOut">
               <a:rPr lang="bg-BG" smtClean="0"/>
-              <a:t>25.11.17 г.</a:t>
+              <a:t>26.11.17 г.</a:t>
             </a:fld>
             <a:endParaRPr lang="bg-BG"/>
           </a:p>
@@ -7156,7 +7156,7 @@
       </p:sp>
       <p:pic>
         <p:nvPicPr>
-          <p:cNvPr id="26" name="Picture 25"/>
+          <p:cNvPr id="3" name="Picture 2"/>
           <p:cNvPicPr>
             <a:picLocks noChangeAspect="1"/>
           </p:cNvPicPr>
@@ -7176,8 +7176,8 @@
         </p:blipFill>
         <p:spPr>
           <a:xfrm>
-            <a:off x="2065516" y="1124749"/>
-            <a:ext cx="8156984" cy="5355996"/>
+            <a:off x="1907628" y="915960"/>
+            <a:ext cx="8472760" cy="5563339"/>
           </a:xfrm>
           <a:prstGeom prst="rect">
             <a:avLst/>

--- a/Doc/开题答辩/开题答辩.pptx
+++ b/Doc/开题答辩/开题答辩.pptx
@@ -270,7 +270,7 @@
           <a:p>
             <a:fld id="{E3E0DB73-7033-42B0-BD02-C54A0BE77918}" type="datetimeFigureOut">
               <a:rPr lang="bg-BG" smtClean="0"/>
-              <a:t>26.11.17 г.</a:t>
+              <a:t>27.11.17 г.</a:t>
             </a:fld>
             <a:endParaRPr lang="bg-BG"/>
           </a:p>
@@ -435,7 +435,7 @@
           <a:p>
             <a:fld id="{5C546879-6C1C-4702-A461-34B635ED35B4}" type="datetimeFigureOut">
               <a:rPr lang="bg-BG" smtClean="0"/>
-              <a:t>26.11.17 г.</a:t>
+              <a:t>27.11.17 г.</a:t>
             </a:fld>
             <a:endParaRPr lang="bg-BG"/>
           </a:p>
@@ -15471,10 +15471,10 @@
               <a:defRPr/>
             </a:pPr>
             <a:r>
-              <a:rPr lang="fr-FR" smtClean="0">
+              <a:rPr lang="en-US" dirty="0" smtClean="0">
                 <a:latin typeface="New Cicle" pitchFamily="2" charset="0"/>
               </a:rPr>
-              <a:t>Collaboration</a:t>
+              <a:t>Teamwork tools</a:t>
             </a:r>
             <a:endParaRPr lang="bg-BG" dirty="0" smtClean="0"/>
           </a:p>
